--- a/Project/IMGT_680_Group_3_Project.pptx
+++ b/Project/IMGT_680_Group_3_Project.pptx
@@ -5,7 +5,7 @@
     <p:sldMasterId id="2147483651" r:id="rId1"/>
   </p:sldMasterIdLst>
   <p:notesMasterIdLst>
-    <p:notesMasterId r:id="rId18"/>
+    <p:notesMasterId r:id="rId19"/>
   </p:notesMasterIdLst>
   <p:sldIdLst>
     <p:sldId id="256" r:id="rId2"/>
@@ -23,7 +23,8 @@
     <p:sldId id="272" r:id="rId14"/>
     <p:sldId id="278" r:id="rId15"/>
     <p:sldId id="279" r:id="rId16"/>
-    <p:sldId id="267" r:id="rId17"/>
+    <p:sldId id="280" r:id="rId17"/>
+    <p:sldId id="267" r:id="rId18"/>
   </p:sldIdLst>
   <p:sldSz cx="9144000" cy="6858000" type="screen4x3"/>
   <p:notesSz cx="7010400" cy="9296400"/>
@@ -1226,6 +1227,11 @@
         </p:txBody>
       </p:sp>
     </p:spTree>
+    <p:extLst>
+      <p:ext uri="{BB962C8B-B14F-4D97-AF65-F5344CB8AC3E}">
+        <p14:creationId xmlns:p14="http://schemas.microsoft.com/office/powerpoint/2010/main" val="755035180"/>
+      </p:ext>
+    </p:extLst>
   </p:cSld>
   <p:clrMap bg1="lt1" tx1="dk1" bg2="dk2" tx2="lt2" accent1="accent1" accent2="accent2" accent3="accent3" accent4="accent4" accent5="accent5" accent6="accent6" hlink="hlink" folHlink="folHlink"/>
   <p:notesStyle>
@@ -1566,7 +1572,11 @@
               </a:spcAft>
               <a:buNone/>
             </a:pPr>
-            <a:endParaRPr/>
+            <a:r>
+              <a:rPr lang="en-US" dirty="0" smtClean="0"/>
+              <a:t>Nestor</a:t>
+            </a:r>
+            <a:endParaRPr dirty="0"/>
           </a:p>
         </p:txBody>
       </p:sp>
@@ -1617,6 +1627,11 @@
         </p:txBody>
       </p:sp>
     </p:spTree>
+    <p:extLst>
+      <p:ext uri="{BB962C8B-B14F-4D97-AF65-F5344CB8AC3E}">
+        <p14:creationId xmlns:p14="http://schemas.microsoft.com/office/powerpoint/2010/main" val="3011839279"/>
+      </p:ext>
+    </p:extLst>
   </p:cSld>
   <p:clrMapOvr>
     <a:masterClrMapping/>
@@ -1666,16 +1681,57 @@
           </a:bodyPr>
           <a:lstStyle/>
           <a:p>
-            <a:pPr marL="0" lvl="0" indent="0" algn="l" rtl="0">
+            <a:pPr marL="171450" lvl="0" indent="-171450" algn="l" rtl="0">
               <a:spcBef>
                 <a:spcPts val="360"/>
               </a:spcBef>
               <a:spcAft>
                 <a:spcPts val="0"/>
               </a:spcAft>
-              <a:buNone/>
-            </a:pPr>
-            <a:endParaRPr/>
+              <a:buFontTx/>
+              <a:buChar char="-"/>
+            </a:pPr>
+            <a:r>
+              <a:rPr lang="en-US" baseline="0" dirty="0" smtClean="0"/>
+              <a:t>Each district was looked at individually and compared to each other</a:t>
+            </a:r>
+          </a:p>
+          <a:p>
+            <a:pPr marL="171450" lvl="0" indent="-171450" algn="l" rtl="0">
+              <a:spcBef>
+                <a:spcPts val="360"/>
+              </a:spcBef>
+              <a:spcAft>
+                <a:spcPts val="0"/>
+              </a:spcAft>
+              <a:buFontTx/>
+              <a:buChar char="-"/>
+            </a:pPr>
+            <a:r>
+              <a:rPr lang="en-US" dirty="0" smtClean="0"/>
+              <a:t>Normalized</a:t>
+            </a:r>
+            <a:r>
+              <a:rPr lang="en-US" baseline="0" dirty="0" smtClean="0"/>
+              <a:t> district comparison:</a:t>
+            </a:r>
+          </a:p>
+          <a:p>
+            <a:pPr marL="171450" lvl="0" indent="-171450" algn="l" rtl="0">
+              <a:spcBef>
+                <a:spcPts val="360"/>
+              </a:spcBef>
+              <a:spcAft>
+                <a:spcPts val="0"/>
+              </a:spcAft>
+              <a:buFontTx/>
+              <a:buChar char="-"/>
+            </a:pPr>
+            <a:r>
+              <a:rPr lang="en-US" baseline="0" dirty="0" smtClean="0"/>
+              <a:t>First column is non-reported districts</a:t>
+            </a:r>
+            <a:endParaRPr dirty="0"/>
           </a:p>
         </p:txBody>
       </p:sp>
@@ -1784,7 +1840,11 @@
               </a:spcAft>
               <a:buNone/>
             </a:pPr>
-            <a:endParaRPr/>
+            <a:r>
+              <a:rPr lang="en-US" dirty="0" smtClean="0"/>
+              <a:t>Jinan</a:t>
+            </a:r>
+            <a:endParaRPr dirty="0"/>
           </a:p>
         </p:txBody>
       </p:sp>
@@ -1893,7 +1953,11 @@
               </a:spcAft>
               <a:buNone/>
             </a:pPr>
-            <a:endParaRPr/>
+            <a:r>
+              <a:rPr lang="en-US" dirty="0" err="1" smtClean="0"/>
+              <a:t>Huf</a:t>
+            </a:r>
+            <a:endParaRPr dirty="0"/>
           </a:p>
         </p:txBody>
       </p:sp>
@@ -2002,7 +2066,11 @@
               </a:spcAft>
               <a:buNone/>
             </a:pPr>
-            <a:endParaRPr/>
+            <a:r>
+              <a:rPr lang="en-US" dirty="0" smtClean="0"/>
+              <a:t>Nick/Garrett</a:t>
+            </a:r>
+            <a:endParaRPr dirty="0"/>
           </a:p>
         </p:txBody>
       </p:sp>
@@ -2111,7 +2179,11 @@
               </a:spcAft>
               <a:buNone/>
             </a:pPr>
-            <a:endParaRPr/>
+            <a:r>
+              <a:rPr lang="en-US" dirty="0" smtClean="0"/>
+              <a:t>Garrett</a:t>
+            </a:r>
+            <a:endParaRPr dirty="0"/>
           </a:p>
         </p:txBody>
       </p:sp>
@@ -2220,6 +2292,10 @@
               </a:spcAft>
               <a:buNone/>
             </a:pPr>
+            <a:r>
+              <a:rPr lang="en-US" smtClean="0"/>
+              <a:t>Nick</a:t>
+            </a:r>
             <a:endParaRPr/>
           </a:p>
         </p:txBody>
@@ -2279,6 +2355,119 @@
 </file>
 
 <file path=ppt/notesSlides/notesSlide16.xml><?xml version="1.0" encoding="utf-8"?>
+<p:notes xmlns:a="http://schemas.openxmlformats.org/drawingml/2006/main" xmlns:r="http://schemas.openxmlformats.org/officeDocument/2006/relationships" xmlns:p="http://schemas.openxmlformats.org/presentationml/2006/main" showMasterSp="0" showMasterPhAnim="0">
+  <p:cSld>
+    <p:spTree>
+      <p:nvGrpSpPr>
+        <p:cNvPr id="1" name="Shape 42"/>
+        <p:cNvGrpSpPr/>
+        <p:nvPr/>
+      </p:nvGrpSpPr>
+      <p:grpSpPr>
+        <a:xfrm>
+          <a:off x="0" y="0"/>
+          <a:ext cx="0" cy="0"/>
+          <a:chOff x="0" y="0"/>
+          <a:chExt cx="0" cy="0"/>
+        </a:xfrm>
+      </p:grpSpPr>
+      <p:sp>
+        <p:nvSpPr>
+          <p:cNvPr id="43" name="Google Shape;43;p2:notes"/>
+          <p:cNvSpPr txBox="1">
+            <a:spLocks noGrp="1"/>
+          </p:cNvSpPr>
+          <p:nvPr>
+            <p:ph type="body" idx="1"/>
+          </p:nvPr>
+        </p:nvSpPr>
+        <p:spPr>
+          <a:xfrm>
+            <a:off x="701675" y="4416425"/>
+            <a:ext cx="5607050" cy="4183063"/>
+          </a:xfrm>
+          <a:prstGeom prst="rect">
+            <a:avLst/>
+          </a:prstGeom>
+        </p:spPr>
+        <p:txBody>
+          <a:bodyPr spcFirstLastPara="1" wrap="square" lIns="93175" tIns="46575" rIns="93175" bIns="46575" anchor="t" anchorCtr="0">
+            <a:noAutofit/>
+          </a:bodyPr>
+          <a:lstStyle/>
+          <a:p>
+            <a:pPr marL="0" lvl="0" indent="0" algn="l" rtl="0">
+              <a:spcBef>
+                <a:spcPts val="360"/>
+              </a:spcBef>
+              <a:spcAft>
+                <a:spcPts val="0"/>
+              </a:spcAft>
+              <a:buNone/>
+            </a:pPr>
+            <a:r>
+              <a:rPr lang="en-US" smtClean="0"/>
+              <a:t>Nick</a:t>
+            </a:r>
+            <a:endParaRPr/>
+          </a:p>
+        </p:txBody>
+      </p:sp>
+      <p:sp>
+        <p:nvSpPr>
+          <p:cNvPr id="44" name="Google Shape;44;p2:notes"/>
+          <p:cNvSpPr>
+            <a:spLocks noGrp="1" noRot="1" noChangeAspect="1"/>
+          </p:cNvSpPr>
+          <p:nvPr>
+            <p:ph type="sldImg" idx="2"/>
+          </p:nvPr>
+        </p:nvSpPr>
+        <p:spPr>
+          <a:xfrm>
+            <a:off x="1181100" y="696913"/>
+            <a:ext cx="4648200" cy="3486150"/>
+          </a:xfrm>
+          <a:custGeom>
+            <a:avLst/>
+            <a:gdLst/>
+            <a:ahLst/>
+            <a:cxnLst/>
+            <a:rect l="l" t="t" r="r" b="b"/>
+            <a:pathLst>
+              <a:path w="120000" h="120000" extrusionOk="0">
+                <a:moveTo>
+                  <a:pt x="0" y="0"/>
+                </a:moveTo>
+                <a:lnTo>
+                  <a:pt x="120000" y="0"/>
+                </a:lnTo>
+                <a:lnTo>
+                  <a:pt x="120000" y="120000"/>
+                </a:lnTo>
+                <a:lnTo>
+                  <a:pt x="0" y="120000"/>
+                </a:lnTo>
+                <a:close/>
+              </a:path>
+            </a:pathLst>
+          </a:custGeom>
+        </p:spPr>
+      </p:sp>
+    </p:spTree>
+    <p:extLst>
+      <p:ext uri="{BB962C8B-B14F-4D97-AF65-F5344CB8AC3E}">
+        <p14:creationId xmlns:p14="http://schemas.microsoft.com/office/powerpoint/2010/main" val="4210020046"/>
+      </p:ext>
+    </p:extLst>
+  </p:cSld>
+  <p:clrMapOvr>
+    <a:masterClrMapping/>
+  </p:clrMapOvr>
+</p:notes>
+</file>
+
+<file path=ppt/notesSlides/notesSlide17.xml><?xml version="1.0" encoding="utf-8"?>
 <p:notes xmlns:a="http://schemas.openxmlformats.org/drawingml/2006/main" xmlns:r="http://schemas.openxmlformats.org/officeDocument/2006/relationships" xmlns:p="http://schemas.openxmlformats.org/presentationml/2006/main" showMasterSp="0" showMasterPhAnim="0">
   <p:cSld>
     <p:spTree>
@@ -2375,6 +2564,11 @@
         </p:spPr>
       </p:sp>
     </p:spTree>
+    <p:extLst>
+      <p:ext uri="{BB962C8B-B14F-4D97-AF65-F5344CB8AC3E}">
+        <p14:creationId xmlns:p14="http://schemas.microsoft.com/office/powerpoint/2010/main" val="107371724"/>
+      </p:ext>
+    </p:extLst>
   </p:cSld>
   <p:clrMapOvr>
     <a:masterClrMapping/>
@@ -2433,7 +2627,11 @@
               </a:spcAft>
               <a:buNone/>
             </a:pPr>
-            <a:endParaRPr/>
+            <a:r>
+              <a:rPr lang="en-US" dirty="0" smtClean="0"/>
+              <a:t>Nestor</a:t>
+            </a:r>
+            <a:endParaRPr dirty="0"/>
           </a:p>
         </p:txBody>
       </p:sp>
@@ -2479,6 +2677,11 @@
         </p:spPr>
       </p:sp>
     </p:spTree>
+    <p:extLst>
+      <p:ext uri="{BB962C8B-B14F-4D97-AF65-F5344CB8AC3E}">
+        <p14:creationId xmlns:p14="http://schemas.microsoft.com/office/powerpoint/2010/main" val="3105016645"/>
+      </p:ext>
+    </p:extLst>
   </p:cSld>
   <p:clrMapOvr>
     <a:masterClrMapping/>
@@ -2537,7 +2740,11 @@
               </a:spcAft>
               <a:buNone/>
             </a:pPr>
-            <a:endParaRPr/>
+            <a:r>
+              <a:rPr lang="en-US" dirty="0" smtClean="0"/>
+              <a:t>Nestor</a:t>
+            </a:r>
+            <a:endParaRPr dirty="0"/>
           </a:p>
         </p:txBody>
       </p:sp>
@@ -2583,6 +2790,11 @@
         </p:spPr>
       </p:sp>
     </p:spTree>
+    <p:extLst>
+      <p:ext uri="{BB962C8B-B14F-4D97-AF65-F5344CB8AC3E}">
+        <p14:creationId xmlns:p14="http://schemas.microsoft.com/office/powerpoint/2010/main" val="951982463"/>
+      </p:ext>
+    </p:extLst>
   </p:cSld>
   <p:clrMapOvr>
     <a:masterClrMapping/>
@@ -2641,7 +2853,11 @@
               </a:spcAft>
               <a:buNone/>
             </a:pPr>
-            <a:endParaRPr/>
+            <a:r>
+              <a:rPr lang="en-US" dirty="0" smtClean="0"/>
+              <a:t>Anson</a:t>
+            </a:r>
+            <a:endParaRPr dirty="0"/>
           </a:p>
         </p:txBody>
       </p:sp>
@@ -2750,7 +2966,11 @@
               </a:spcAft>
               <a:buNone/>
             </a:pPr>
-            <a:endParaRPr/>
+            <a:r>
+              <a:rPr lang="en-US" dirty="0" smtClean="0"/>
+              <a:t>Anson</a:t>
+            </a:r>
+            <a:endParaRPr dirty="0"/>
           </a:p>
         </p:txBody>
       </p:sp>
@@ -2859,7 +3079,11 @@
               </a:spcAft>
               <a:buNone/>
             </a:pPr>
-            <a:endParaRPr/>
+            <a:r>
+              <a:rPr lang="en-US" dirty="0" smtClean="0"/>
+              <a:t>Anson</a:t>
+            </a:r>
+            <a:endParaRPr dirty="0"/>
           </a:p>
         </p:txBody>
       </p:sp>
@@ -2959,16 +3183,33 @@
           </a:bodyPr>
           <a:lstStyle/>
           <a:p>
-            <a:pPr marL="0" lvl="0" indent="0" algn="l" rtl="0">
+            <a:pPr marL="171450" lvl="0" indent="-171450" algn="l" rtl="0">
               <a:spcBef>
                 <a:spcPts val="360"/>
               </a:spcBef>
               <a:spcAft>
                 <a:spcPts val="0"/>
               </a:spcAft>
-              <a:buNone/>
-            </a:pPr>
-            <a:endParaRPr/>
+              <a:buFontTx/>
+              <a:buChar char="-"/>
+            </a:pPr>
+            <a:r>
+              <a:rPr lang="en-US" baseline="0" dirty="0" smtClean="0"/>
+              <a:t>Examined monthly, hourly, and daily trends for the 7 categories (traffic, theft, violent, money, other, drug/sex, medical)</a:t>
+            </a:r>
+          </a:p>
+          <a:p>
+            <a:pPr marL="171450" lvl="0" indent="-171450" algn="l" rtl="0">
+              <a:spcBef>
+                <a:spcPts val="360"/>
+              </a:spcBef>
+              <a:spcAft>
+                <a:spcPts val="0"/>
+              </a:spcAft>
+              <a:buFontTx/>
+              <a:buChar char="-"/>
+            </a:pPr>
+            <a:endParaRPr dirty="0"/>
           </a:p>
         </p:txBody>
       </p:sp>
@@ -3077,7 +3318,11 @@
               </a:spcAft>
               <a:buNone/>
             </a:pPr>
-            <a:endParaRPr/>
+            <a:r>
+              <a:rPr lang="en-US" dirty="0" smtClean="0"/>
+              <a:t>Jinan</a:t>
+            </a:r>
+            <a:endParaRPr dirty="0"/>
           </a:p>
         </p:txBody>
       </p:sp>
@@ -3177,6 +3422,88 @@
           </a:bodyPr>
           <a:lstStyle/>
           <a:p>
+            <a:pPr marL="171450" lvl="0" indent="-171450" algn="l" rtl="0">
+              <a:spcBef>
+                <a:spcPts val="360"/>
+              </a:spcBef>
+              <a:spcAft>
+                <a:spcPts val="0"/>
+              </a:spcAft>
+              <a:buFontTx/>
+              <a:buChar char="-"/>
+            </a:pPr>
+            <a:r>
+              <a:rPr lang="en-US" b="1" baseline="0" dirty="0" smtClean="0"/>
+              <a:t>Monthly</a:t>
+            </a:r>
+            <a:r>
+              <a:rPr lang="en-US" baseline="0" dirty="0" smtClean="0"/>
+              <a:t>: occurrences rose during summer months and dropped off around September</a:t>
+            </a:r>
+          </a:p>
+          <a:p>
+            <a:pPr marL="171450" lvl="0" indent="-171450" algn="l" rtl="0">
+              <a:spcBef>
+                <a:spcPts val="360"/>
+              </a:spcBef>
+              <a:spcAft>
+                <a:spcPts val="0"/>
+              </a:spcAft>
+              <a:buFontTx/>
+              <a:buChar char="-"/>
+            </a:pPr>
+            <a:r>
+              <a:rPr lang="en-US" b="1" baseline="0" dirty="0" smtClean="0"/>
+              <a:t>Hourly</a:t>
+            </a:r>
+            <a:r>
+              <a:rPr lang="en-US" baseline="0" dirty="0" smtClean="0"/>
+              <a:t>: crime occurrence dipped around 3 am and then occurrences increased as the working day began</a:t>
+            </a:r>
+          </a:p>
+          <a:p>
+            <a:pPr marL="171450" marR="0" lvl="0" indent="-171450" algn="l" defTabSz="914400" rtl="0" eaLnBrk="1" fontAlgn="auto" latinLnBrk="0" hangingPunct="1">
+              <a:lnSpc>
+                <a:spcPct val="100000"/>
+              </a:lnSpc>
+              <a:spcBef>
+                <a:spcPts val="360"/>
+              </a:spcBef>
+              <a:spcAft>
+                <a:spcPts val="0"/>
+              </a:spcAft>
+              <a:buClr>
+                <a:srgbClr val="000000"/>
+              </a:buClr>
+              <a:buSzPts val="1400"/>
+              <a:buFontTx/>
+              <a:buChar char="-"/>
+              <a:tabLst/>
+              <a:defRPr/>
+            </a:pPr>
+            <a:r>
+              <a:rPr lang="en-US" b="1" baseline="0" dirty="0" smtClean="0"/>
+              <a:t>Weekly</a:t>
+            </a:r>
+            <a:r>
+              <a:rPr lang="en-US" baseline="0" dirty="0" smtClean="0"/>
+              <a:t>: Generally uniform</a:t>
+            </a:r>
+          </a:p>
+          <a:p>
+            <a:pPr marL="171450" lvl="0" indent="-171450" algn="l" rtl="0">
+              <a:spcBef>
+                <a:spcPts val="360"/>
+              </a:spcBef>
+              <a:spcAft>
+                <a:spcPts val="0"/>
+              </a:spcAft>
+              <a:buFontTx/>
+              <a:buChar char="-"/>
+            </a:pPr>
+            <a:endParaRPr lang="en-US" baseline="0" dirty="0" smtClean="0"/>
+          </a:p>
+          <a:p>
             <a:pPr marL="0" lvl="0" indent="0" algn="l" rtl="0">
               <a:spcBef>
                 <a:spcPts val="360"/>
@@ -3186,7 +3513,7 @@
               </a:spcAft>
               <a:buNone/>
             </a:pPr>
-            <a:endParaRPr/>
+            <a:endParaRPr dirty="0"/>
           </a:p>
         </p:txBody>
       </p:sp>
@@ -6698,6 +7025,13 @@
   <p:clrMapOvr>
     <a:masterClrMapping/>
   </p:clrMapOvr>
+  <p:timing>
+    <p:tnLst>
+      <p:par>
+        <p:cTn id="1" dur="indefinite" restart="never" nodeType="tmRoot"/>
+      </p:par>
+    </p:tnLst>
+  </p:timing>
 </p:sld>
 </file>
 
@@ -6935,6 +7269,13 @@
   <p:clrMapOvr>
     <a:masterClrMapping/>
   </p:clrMapOvr>
+  <p:timing>
+    <p:tnLst>
+      <p:par>
+        <p:cTn id="1" dur="indefinite" restart="never" nodeType="tmRoot"/>
+      </p:par>
+    </p:tnLst>
+  </p:timing>
 </p:sld>
 </file>
 
@@ -7416,6 +7757,13 @@
   <p:clrMapOvr>
     <a:masterClrMapping/>
   </p:clrMapOvr>
+  <p:timing>
+    <p:tnLst>
+      <p:par>
+        <p:cTn id="1" dur="indefinite" restart="never" nodeType="tmRoot"/>
+      </p:par>
+    </p:tnLst>
+  </p:timing>
 </p:sld>
 </file>
 
@@ -8423,11 +8771,7 @@
             </a:pPr>
             <a:r>
               <a:rPr lang="en-US" dirty="0" smtClean="0"/>
-              <a:t>This analysis could help with manpower allocation and </a:t>
-            </a:r>
-            <a:r>
-              <a:rPr lang="en-US" smtClean="0"/>
-              <a:t>expectation management.</a:t>
+              <a:t>This analysis could help with manpower allocation and expectation management.</a:t>
             </a:r>
             <a:endParaRPr dirty="0"/>
           </a:p>
@@ -8476,6 +8820,423 @@
 </file>
 
 <file path=ppt/slides/slide16.xml><?xml version="1.0" encoding="utf-8"?>
+<p:sld xmlns:a="http://schemas.openxmlformats.org/drawingml/2006/main" xmlns:r="http://schemas.openxmlformats.org/officeDocument/2006/relationships" xmlns:p="http://schemas.openxmlformats.org/presentationml/2006/main">
+  <p:cSld>
+    <p:spTree>
+      <p:nvGrpSpPr>
+        <p:cNvPr id="1" name="Shape 45"/>
+        <p:cNvGrpSpPr/>
+        <p:nvPr/>
+      </p:nvGrpSpPr>
+      <p:grpSpPr>
+        <a:xfrm>
+          <a:off x="0" y="0"/>
+          <a:ext cx="0" cy="0"/>
+          <a:chOff x="0" y="0"/>
+          <a:chExt cx="0" cy="0"/>
+        </a:xfrm>
+      </p:grpSpPr>
+      <p:sp>
+        <p:nvSpPr>
+          <p:cNvPr id="46" name="Google Shape;46;p6"/>
+          <p:cNvSpPr txBox="1">
+            <a:spLocks noGrp="1"/>
+          </p:cNvSpPr>
+          <p:nvPr>
+            <p:ph type="title"/>
+          </p:nvPr>
+        </p:nvSpPr>
+        <p:spPr>
+          <a:xfrm>
+            <a:off x="533400" y="0"/>
+            <a:ext cx="7772400" cy="1028700"/>
+          </a:xfrm>
+          <a:prstGeom prst="rect">
+            <a:avLst/>
+          </a:prstGeom>
+          <a:noFill/>
+          <a:ln>
+            <a:noFill/>
+          </a:ln>
+        </p:spPr>
+        <p:txBody>
+          <a:bodyPr spcFirstLastPara="1" wrap="square" lIns="91000" tIns="45500" rIns="91000" bIns="45500" anchor="ctr" anchorCtr="0">
+            <a:noAutofit/>
+          </a:bodyPr>
+          <a:lstStyle/>
+          <a:p>
+            <a:pPr marL="0" lvl="0" indent="0" algn="ctr" rtl="0">
+              <a:spcBef>
+                <a:spcPts val="0"/>
+              </a:spcBef>
+              <a:spcAft>
+                <a:spcPts val="0"/>
+              </a:spcAft>
+              <a:buNone/>
+            </a:pPr>
+            <a:r>
+              <a:rPr lang="en-US" dirty="0" smtClean="0"/>
+              <a:t>Research Questions</a:t>
+            </a:r>
+            <a:endParaRPr dirty="0"/>
+          </a:p>
+        </p:txBody>
+      </p:sp>
+      <p:sp>
+        <p:nvSpPr>
+          <p:cNvPr id="47" name="Google Shape;47;p6"/>
+          <p:cNvSpPr txBox="1">
+            <a:spLocks noGrp="1"/>
+          </p:cNvSpPr>
+          <p:nvPr>
+            <p:ph type="sldNum" idx="12"/>
+          </p:nvPr>
+        </p:nvSpPr>
+        <p:spPr>
+          <a:xfrm>
+            <a:off x="7010400" y="6492875"/>
+            <a:ext cx="2133600" cy="365125"/>
+          </a:xfrm>
+          <a:prstGeom prst="rect">
+            <a:avLst/>
+          </a:prstGeom>
+          <a:noFill/>
+          <a:ln>
+            <a:noFill/>
+          </a:ln>
+        </p:spPr>
+        <p:txBody>
+          <a:bodyPr spcFirstLastPara="1" wrap="square" lIns="91425" tIns="45700" rIns="91425" bIns="45700" anchor="ctr" anchorCtr="0">
+            <a:noAutofit/>
+          </a:bodyPr>
+          <a:lstStyle/>
+          <a:p>
+            <a:pPr marL="0" lvl="0" indent="0" algn="r" rtl="0">
+              <a:spcBef>
+                <a:spcPts val="0"/>
+              </a:spcBef>
+              <a:spcAft>
+                <a:spcPts val="0"/>
+              </a:spcAft>
+              <a:buNone/>
+            </a:pPr>
+            <a:fld id="{00000000-1234-1234-1234-123412341234}" type="slidenum">
+              <a:rPr lang="en-US"/>
+              <a:t>16</a:t>
+            </a:fld>
+            <a:endParaRPr/>
+          </a:p>
+        </p:txBody>
+      </p:sp>
+      <p:sp>
+        <p:nvSpPr>
+          <p:cNvPr id="48" name="Google Shape;48;p6"/>
+          <p:cNvSpPr txBox="1">
+            <a:spLocks noGrp="1"/>
+          </p:cNvSpPr>
+          <p:nvPr>
+            <p:ph type="body" idx="1"/>
+          </p:nvPr>
+        </p:nvSpPr>
+        <p:spPr>
+          <a:xfrm>
+            <a:off x="381000" y="1187117"/>
+            <a:ext cx="8224838" cy="5305758"/>
+          </a:xfrm>
+          <a:prstGeom prst="rect">
+            <a:avLst/>
+          </a:prstGeom>
+          <a:noFill/>
+          <a:ln>
+            <a:noFill/>
+          </a:ln>
+        </p:spPr>
+        <p:txBody>
+          <a:bodyPr spcFirstLastPara="1" wrap="square" lIns="91425" tIns="45700" rIns="91425" bIns="45700" anchor="t" anchorCtr="0">
+            <a:noAutofit/>
+          </a:bodyPr>
+          <a:lstStyle/>
+          <a:p>
+            <a:pPr marL="609600" lvl="0" indent="-457200" algn="l" rtl="0">
+              <a:spcBef>
+                <a:spcPts val="480"/>
+              </a:spcBef>
+              <a:spcAft>
+                <a:spcPts val="0"/>
+              </a:spcAft>
+              <a:buClr>
+                <a:schemeClr val="dk1"/>
+              </a:buClr>
+              <a:buSzPts val="2400"/>
+              <a:buFont typeface="+mj-lt"/>
+              <a:buAutoNum type="arabicPeriod"/>
+            </a:pPr>
+            <a:r>
+              <a:rPr lang="en-US" sz="1600" dirty="0" smtClean="0"/>
+              <a:t>Where </a:t>
+            </a:r>
+            <a:r>
+              <a:rPr lang="en-US" sz="1600" dirty="0"/>
+              <a:t>do crimes most commonly occur in the city of </a:t>
+            </a:r>
+            <a:r>
+              <a:rPr lang="en-US" sz="1600" dirty="0" smtClean="0"/>
+              <a:t>Boston?</a:t>
+            </a:r>
+          </a:p>
+          <a:p>
+            <a:pPr marL="1066800" lvl="1" indent="-457200">
+              <a:spcBef>
+                <a:spcPts val="480"/>
+              </a:spcBef>
+              <a:buSzPts val="2400"/>
+            </a:pPr>
+            <a:r>
+              <a:rPr lang="en-US" sz="1600" dirty="0" smtClean="0"/>
+              <a:t>Dispersed throughout Boston</a:t>
+            </a:r>
+          </a:p>
+          <a:p>
+            <a:pPr marL="1066800" lvl="1" indent="-457200">
+              <a:spcBef>
+                <a:spcPts val="480"/>
+              </a:spcBef>
+              <a:buSzPts val="2400"/>
+            </a:pPr>
+            <a:r>
+              <a:rPr lang="en-US" sz="1600" dirty="0" smtClean="0"/>
+              <a:t>Location </a:t>
+            </a:r>
+            <a:r>
+              <a:rPr lang="en-US" sz="1600" dirty="0"/>
+              <a:t>of crimes is a function of crime type and time. </a:t>
+            </a:r>
+            <a:endParaRPr lang="en-US" sz="1600" dirty="0" smtClean="0"/>
+          </a:p>
+          <a:p>
+            <a:pPr marL="1066800" lvl="1" indent="-457200">
+              <a:spcBef>
+                <a:spcPts val="480"/>
+              </a:spcBef>
+              <a:buSzPts val="2400"/>
+            </a:pPr>
+            <a:r>
+              <a:rPr lang="en-US" sz="1600" dirty="0" smtClean="0"/>
+              <a:t>Given </a:t>
+            </a:r>
+            <a:r>
+              <a:rPr lang="en-US" sz="1600" dirty="0"/>
+              <a:t>a specific type of crime, it is </a:t>
+            </a:r>
+            <a:r>
+              <a:rPr lang="en-US" sz="1600" dirty="0" smtClean="0"/>
+              <a:t>possible to </a:t>
+            </a:r>
+            <a:r>
+              <a:rPr lang="en-US" sz="1600" dirty="0"/>
+              <a:t>some extent to predict where and when it is expected to </a:t>
+            </a:r>
+            <a:r>
+              <a:rPr lang="en-US" sz="1600" dirty="0" smtClean="0"/>
+              <a:t>occur.</a:t>
+            </a:r>
+          </a:p>
+          <a:p>
+            <a:pPr marL="609600" lvl="0" indent="-457200" algn="l" rtl="0">
+              <a:spcBef>
+                <a:spcPts val="480"/>
+              </a:spcBef>
+              <a:spcAft>
+                <a:spcPts val="0"/>
+              </a:spcAft>
+              <a:buClr>
+                <a:schemeClr val="dk1"/>
+              </a:buClr>
+              <a:buSzPts val="2400"/>
+              <a:buFont typeface="+mj-lt"/>
+              <a:buAutoNum type="arabicPeriod"/>
+            </a:pPr>
+            <a:r>
+              <a:rPr lang="en-US" sz="1600" dirty="0" smtClean="0"/>
+              <a:t>What </a:t>
+            </a:r>
+            <a:r>
+              <a:rPr lang="en-US" sz="1600" dirty="0"/>
+              <a:t>type of crimes most commonly occur in each of the 12 districts of </a:t>
+            </a:r>
+            <a:r>
+              <a:rPr lang="en-US" sz="1600" dirty="0" smtClean="0"/>
+              <a:t>Boston?</a:t>
+            </a:r>
+          </a:p>
+          <a:p>
+            <a:pPr marL="1066800" lvl="1" indent="-457200">
+              <a:spcBef>
+                <a:spcPts val="480"/>
+              </a:spcBef>
+              <a:buSzPts val="2400"/>
+            </a:pPr>
+            <a:r>
+              <a:rPr lang="en-US" sz="1600" dirty="0" smtClean="0"/>
+              <a:t>Each </a:t>
+            </a:r>
+            <a:r>
+              <a:rPr lang="en-US" sz="1600" dirty="0"/>
+              <a:t>district appears to </a:t>
+            </a:r>
+            <a:r>
+              <a:rPr lang="en-US" sz="1600" dirty="0" smtClean="0"/>
+              <a:t>experience </a:t>
+            </a:r>
+            <a:r>
+              <a:rPr lang="en-US" sz="1600" dirty="0"/>
+              <a:t>the same distribution of crime. </a:t>
+            </a:r>
+            <a:endParaRPr lang="en-US" sz="1600" dirty="0" smtClean="0"/>
+          </a:p>
+          <a:p>
+            <a:pPr marL="1066800" lvl="1" indent="-457200">
+              <a:spcBef>
+                <a:spcPts val="480"/>
+              </a:spcBef>
+              <a:buSzPts val="2400"/>
+            </a:pPr>
+            <a:r>
+              <a:rPr lang="en-US" sz="1600" dirty="0"/>
+              <a:t>D</a:t>
+            </a:r>
+            <a:r>
+              <a:rPr lang="en-US" sz="1600" dirty="0" smtClean="0"/>
+              <a:t>ifference </a:t>
+            </a:r>
+            <a:r>
+              <a:rPr lang="en-US" sz="1600" dirty="0"/>
+              <a:t>between each district is in the rate at which </a:t>
+            </a:r>
+            <a:r>
+              <a:rPr lang="en-US" sz="1600" dirty="0" smtClean="0"/>
+              <a:t>crime occurs</a:t>
+            </a:r>
+            <a:r>
+              <a:rPr lang="en-US" sz="1600" dirty="0"/>
+              <a:t>. Some districts experience significantly more crime than </a:t>
+            </a:r>
+            <a:r>
+              <a:rPr lang="en-US" sz="1600" dirty="0" smtClean="0"/>
+              <a:t>others.</a:t>
+            </a:r>
+          </a:p>
+          <a:p>
+            <a:pPr marL="609600" lvl="0" indent="-457200" algn="l" rtl="0">
+              <a:spcBef>
+                <a:spcPts val="480"/>
+              </a:spcBef>
+              <a:spcAft>
+                <a:spcPts val="0"/>
+              </a:spcAft>
+              <a:buClr>
+                <a:schemeClr val="dk1"/>
+              </a:buClr>
+              <a:buSzPts val="2400"/>
+              <a:buFont typeface="+mj-lt"/>
+              <a:buAutoNum type="arabicPeriod"/>
+            </a:pPr>
+            <a:r>
+              <a:rPr lang="en-US" sz="1600" dirty="0" smtClean="0"/>
+              <a:t>Is </a:t>
+            </a:r>
+            <a:r>
+              <a:rPr lang="en-US" sz="1600" dirty="0"/>
+              <a:t>there a pattern </a:t>
+            </a:r>
+            <a:r>
+              <a:rPr lang="en-US" sz="1600" dirty="0" smtClean="0"/>
+              <a:t>for the </a:t>
+            </a:r>
+            <a:r>
+              <a:rPr lang="en-US" sz="1600" dirty="0"/>
+              <a:t>rate of crime that occurs throughout the </a:t>
+            </a:r>
+            <a:r>
+              <a:rPr lang="en-US" sz="1600" dirty="0" smtClean="0"/>
+              <a:t>day?</a:t>
+            </a:r>
+          </a:p>
+          <a:p>
+            <a:pPr marL="1066800" lvl="1" indent="-457200">
+              <a:spcBef>
+                <a:spcPts val="480"/>
+              </a:spcBef>
+              <a:buSzPts val="2400"/>
+            </a:pPr>
+            <a:r>
+              <a:rPr lang="en-US" sz="1600" dirty="0" smtClean="0"/>
+              <a:t>Crime </a:t>
+            </a:r>
+            <a:r>
+              <a:rPr lang="en-US" sz="1600" dirty="0"/>
+              <a:t>occurrence dipped around 3 am and then occurrences increased as the working day began </a:t>
+            </a:r>
+            <a:endParaRPr lang="en-US" sz="1600" dirty="0" smtClean="0"/>
+          </a:p>
+          <a:p>
+            <a:pPr marL="609600" indent="-457200">
+              <a:buFont typeface="+mj-lt"/>
+              <a:buAutoNum type="arabicPeriod"/>
+            </a:pPr>
+            <a:r>
+              <a:rPr lang="en-US" sz="1600" dirty="0" smtClean="0"/>
+              <a:t>What </a:t>
+            </a:r>
+            <a:r>
+              <a:rPr lang="en-US" sz="1600" dirty="0"/>
+              <a:t>is the best way to allocate Boston Police Department manpower to utilize officers more </a:t>
+            </a:r>
+            <a:r>
+              <a:rPr lang="en-US" sz="1600" dirty="0" smtClean="0"/>
+              <a:t>efficiently and effectively?</a:t>
+            </a:r>
+          </a:p>
+          <a:p>
+            <a:pPr marL="1066800" lvl="1" indent="-457200"/>
+            <a:r>
+              <a:rPr lang="en-US" sz="1600" dirty="0" smtClean="0"/>
+              <a:t>Using </a:t>
+            </a:r>
+            <a:r>
+              <a:rPr lang="en-US" sz="1600" dirty="0"/>
+              <a:t>a predictive model like the C5.0, it may be possible for a decision maker to determine </a:t>
+            </a:r>
+            <a:r>
+              <a:rPr lang="en-US" sz="1600" dirty="0" smtClean="0"/>
+              <a:t>the appropriate </a:t>
+            </a:r>
+            <a:r>
+              <a:rPr lang="en-US" sz="1600" dirty="0"/>
+              <a:t>training, allocation and scheduling of officers in </a:t>
+            </a:r>
+            <a:r>
+              <a:rPr lang="en-US" sz="1600" dirty="0" smtClean="0"/>
+              <a:t>Boston</a:t>
+            </a:r>
+            <a:endParaRPr lang="en-US" sz="1600" dirty="0"/>
+          </a:p>
+        </p:txBody>
+      </p:sp>
+    </p:spTree>
+    <p:extLst>
+      <p:ext uri="{BB962C8B-B14F-4D97-AF65-F5344CB8AC3E}">
+        <p14:creationId xmlns:p14="http://schemas.microsoft.com/office/powerpoint/2010/main" val="1345769543"/>
+      </p:ext>
+    </p:extLst>
+  </p:cSld>
+  <p:clrMapOvr>
+    <a:masterClrMapping/>
+  </p:clrMapOvr>
+</p:sld>
+</file>
+
+<file path=ppt/slides/slide17.xml><?xml version="1.0" encoding="utf-8"?>
 <p:sld xmlns:a="http://schemas.openxmlformats.org/drawingml/2006/main" xmlns:r="http://schemas.openxmlformats.org/officeDocument/2006/relationships" xmlns:p="http://schemas.openxmlformats.org/presentationml/2006/main">
   <p:cSld>
     <p:spTree>
@@ -8578,7 +9339,7 @@
             </a:pPr>
             <a:fld id="{00000000-1234-1234-1234-123412341234}" type="slidenum">
               <a:rPr lang="en-US"/>
-              <a:t>16</a:t>
+              <a:t>17</a:t>
             </a:fld>
             <a:endParaRPr/>
           </a:p>
@@ -9091,7 +9852,15 @@
             </a:r>
             <a:r>
               <a:rPr lang="en-US" dirty="0"/>
-              <a:t>there a pattern the rate of crime that occurs throughout the day?</a:t>
+              <a:t>there a </a:t>
+            </a:r>
+            <a:r>
+              <a:rPr lang="en-US" dirty="0" smtClean="0"/>
+              <a:t>pattern for </a:t>
+            </a:r>
+            <a:r>
+              <a:rPr lang="en-US" dirty="0"/>
+              <a:t>the rate of crime that occurs throughout the day?</a:t>
             </a:r>
           </a:p>
           <a:p>
@@ -10153,6 +10922,13 @@
   <p:clrMapOvr>
     <a:masterClrMapping/>
   </p:clrMapOvr>
+  <p:timing>
+    <p:tnLst>
+      <p:par>
+        <p:cTn id="1" dur="indefinite" restart="never" nodeType="tmRoot"/>
+      </p:par>
+    </p:tnLst>
+  </p:timing>
 </p:sld>
 </file>
 
@@ -10420,6 +11196,13 @@
   <p:clrMapOvr>
     <a:masterClrMapping/>
   </p:clrMapOvr>
+  <p:timing>
+    <p:tnLst>
+      <p:par>
+        <p:cTn id="1" dur="indefinite" restart="never" nodeType="tmRoot"/>
+      </p:par>
+    </p:tnLst>
+  </p:timing>
 </p:sld>
 </file>
 
@@ -10714,6 +11497,13 @@
   <p:clrMapOvr>
     <a:masterClrMapping/>
   </p:clrMapOvr>
+  <p:timing>
+    <p:tnLst>
+      <p:par>
+        <p:cTn id="1" dur="indefinite" restart="never" nodeType="tmRoot"/>
+      </p:par>
+    </p:tnLst>
+  </p:timing>
 </p:sld>
 </file>
 
@@ -10981,6 +11771,13 @@
   <p:clrMapOvr>
     <a:masterClrMapping/>
   </p:clrMapOvr>
+  <p:timing>
+    <p:tnLst>
+      <p:par>
+        <p:cTn id="1" dur="indefinite" restart="never" nodeType="tmRoot"/>
+      </p:par>
+    </p:tnLst>
+  </p:timing>
 </p:sld>
 </file>
 
